--- a/science_fair_presentation.pptx
+++ b/science_fair_presentation.pptx
@@ -106,6 +106,11 @@
       </a:defRPr>
     </a:lvl9pPr>
   </p:defaultTextStyle>
+  <p:extLst>
+    <p:ext uri="{EFAFB233-063F-42B5-8137-9DF3F51BA10A}">
+      <p15:sldGuideLst xmlns:p15="http://schemas.microsoft.com/office/powerpoint/2012/main"/>
+    </p:ext>
+  </p:extLst>
 </p:presentation>
 </file>
 
@@ -14109,10 +14114,10 @@
   </p:clrMapOvr>
   <mc:AlternateContent xmlns:mc="http://schemas.openxmlformats.org/markup-compatibility/2006">
     <mc:Choice xmlns:p14="http://schemas.microsoft.com/office/powerpoint/2010/main" Requires="p14">
-      <p:transition spd="slow" p14:dur="2000" advTm="10000"/>
+      <p:transition p14:dur="0" advTm="10000"/>
     </mc:Choice>
     <mc:Fallback>
-      <p:transition spd="slow" advTm="10000"/>
+      <p:transition advTm="10000"/>
     </mc:Fallback>
   </mc:AlternateContent>
 </p:sld>
@@ -14135,56 +14140,6 @@
           <a:chExt cx="0" cy="0"/>
         </a:xfrm>
       </p:grpSpPr>
-      <p:sp>
-        <p:nvSpPr>
-          <p:cNvPr id="2" name="Title 1">
-            <a:extLst>
-              <a:ext uri="{FF2B5EF4-FFF2-40B4-BE49-F238E27FC236}">
-                <a16:creationId xmlns:a16="http://schemas.microsoft.com/office/drawing/2014/main" id="{AB2C0D0E-21F8-427E-BD91-BEC343FC926F}"/>
-              </a:ext>
-            </a:extLst>
-          </p:cNvPr>
-          <p:cNvSpPr>
-            <a:spLocks noGrp="1"/>
-          </p:cNvSpPr>
-          <p:nvPr>
-            <p:ph type="title"/>
-          </p:nvPr>
-        </p:nvSpPr>
-        <p:spPr/>
-        <p:txBody>
-          <a:bodyPr/>
-          <a:lstStyle/>
-          <a:p>
-            <a:endParaRPr lang="en-US"/>
-          </a:p>
-        </p:txBody>
-      </p:sp>
-      <p:sp>
-        <p:nvSpPr>
-          <p:cNvPr id="3" name="Text Placeholder 2">
-            <a:extLst>
-              <a:ext uri="{FF2B5EF4-FFF2-40B4-BE49-F238E27FC236}">
-                <a16:creationId xmlns:a16="http://schemas.microsoft.com/office/drawing/2014/main" id="{A1F9AFEF-9552-4DAB-BEE7-1F7251D3E1E1}"/>
-              </a:ext>
-            </a:extLst>
-          </p:cNvPr>
-          <p:cNvSpPr>
-            <a:spLocks noGrp="1"/>
-          </p:cNvSpPr>
-          <p:nvPr>
-            <p:ph type="body" idx="1"/>
-          </p:nvPr>
-        </p:nvSpPr>
-        <p:spPr/>
-        <p:txBody>
-          <a:bodyPr/>
-          <a:lstStyle/>
-          <a:p>
-            <a:endParaRPr lang="en-US"/>
-          </a:p>
-        </p:txBody>
-      </p:sp>
       <p:pic>
         <p:nvPicPr>
           <p:cNvPr id="5" name="Picture 4">
@@ -14275,6 +14230,84 @@
           </a:extLst>
         </p:spPr>
       </p:pic>
+      <p:sp>
+        <p:nvSpPr>
+          <p:cNvPr id="7" name="Title 6">
+            <a:extLst>
+              <a:ext uri="{FF2B5EF4-FFF2-40B4-BE49-F238E27FC236}">
+                <a16:creationId xmlns:a16="http://schemas.microsoft.com/office/drawing/2014/main" id="{A04041BC-C7BF-4512-A326-9DBCBE812D89}"/>
+              </a:ext>
+            </a:extLst>
+          </p:cNvPr>
+          <p:cNvSpPr>
+            <a:spLocks noGrp="1"/>
+          </p:cNvSpPr>
+          <p:nvPr>
+            <p:ph type="title"/>
+          </p:nvPr>
+        </p:nvSpPr>
+        <p:spPr/>
+        <p:txBody>
+          <a:bodyPr/>
+          <a:lstStyle/>
+          <a:p>
+            <a:r>
+              <a:rPr lang="en-US" dirty="0"/>
+              <a:t>Tetons Conference room</a:t>
+            </a:r>
+          </a:p>
+        </p:txBody>
+      </p:sp>
+      <p:sp>
+        <p:nvSpPr>
+          <p:cNvPr id="8" name="Content Placeholder 7">
+            <a:extLst>
+              <a:ext uri="{FF2B5EF4-FFF2-40B4-BE49-F238E27FC236}">
+                <a16:creationId xmlns:a16="http://schemas.microsoft.com/office/drawing/2014/main" id="{0A9BA837-17D7-4EE3-AFF5-D63DFFF3749F}"/>
+              </a:ext>
+            </a:extLst>
+          </p:cNvPr>
+          <p:cNvSpPr>
+            <a:spLocks noGrp="1"/>
+          </p:cNvSpPr>
+          <p:nvPr>
+            <p:ph sz="half" idx="1"/>
+          </p:nvPr>
+        </p:nvSpPr>
+        <p:spPr/>
+        <p:txBody>
+          <a:bodyPr/>
+          <a:lstStyle/>
+          <a:p>
+            <a:endParaRPr lang="en-US"/>
+          </a:p>
+        </p:txBody>
+      </p:sp>
+      <p:sp>
+        <p:nvSpPr>
+          <p:cNvPr id="9" name="Content Placeholder 8">
+            <a:extLst>
+              <a:ext uri="{FF2B5EF4-FFF2-40B4-BE49-F238E27FC236}">
+                <a16:creationId xmlns:a16="http://schemas.microsoft.com/office/drawing/2014/main" id="{F1DC1CF8-9F6D-45DE-BAA9-AC58410D3CD8}"/>
+              </a:ext>
+            </a:extLst>
+          </p:cNvPr>
+          <p:cNvSpPr>
+            <a:spLocks noGrp="1"/>
+          </p:cNvSpPr>
+          <p:nvPr>
+            <p:ph sz="half" idx="2"/>
+          </p:nvPr>
+        </p:nvSpPr>
+        <p:spPr/>
+        <p:txBody>
+          <a:bodyPr/>
+          <a:lstStyle/>
+          <a:p>
+            <a:endParaRPr lang="en-US"/>
+          </a:p>
+        </p:txBody>
+      </p:sp>
     </p:spTree>
     <p:extLst>
       <p:ext uri="{BB962C8B-B14F-4D97-AF65-F5344CB8AC3E}">
@@ -14287,12 +14320,102 @@
   </p:clrMapOvr>
   <mc:AlternateContent xmlns:mc="http://schemas.openxmlformats.org/markup-compatibility/2006">
     <mc:Choice xmlns:p14="http://schemas.microsoft.com/office/powerpoint/2010/main" Requires="p14">
-      <p:transition spd="slow" p14:dur="2000" advTm="10000"/>
+      <p:transition spd="slow" advTm="10000">
+        <p14:flash/>
+      </p:transition>
     </mc:Choice>
     <mc:Fallback>
-      <p:transition spd="slow" advTm="10000"/>
+      <p:transition spd="slow" advTm="10000">
+        <p:fade/>
+      </p:transition>
     </mc:Fallback>
   </mc:AlternateContent>
+  <p:timing>
+    <p:tnLst>
+      <p:par>
+        <p:cTn id="1" dur="indefinite" restart="never" nodeType="tmRoot">
+          <p:childTnLst>
+            <p:seq concurrent="1" nextAc="seek">
+              <p:cTn id="2" dur="indefinite" nodeType="mainSeq">
+                <p:childTnLst>
+                  <p:par>
+                    <p:cTn id="3" fill="hold">
+                      <p:stCondLst>
+                        <p:cond delay="indefinite"/>
+                      </p:stCondLst>
+                      <p:childTnLst>
+                        <p:par>
+                          <p:cTn id="4" fill="hold">
+                            <p:stCondLst>
+                              <p:cond delay="0"/>
+                            </p:stCondLst>
+                            <p:childTnLst>
+                              <p:par>
+                                <p:cTn id="5" presetID="10" presetClass="entr" presetSubtype="0" fill="hold" grpId="0" nodeType="clickEffect">
+                                  <p:stCondLst>
+                                    <p:cond delay="0"/>
+                                  </p:stCondLst>
+                                  <p:childTnLst>
+                                    <p:set>
+                                      <p:cBhvr>
+                                        <p:cTn id="6" dur="1" fill="hold">
+                                          <p:stCondLst>
+                                            <p:cond delay="0"/>
+                                          </p:stCondLst>
+                                        </p:cTn>
+                                        <p:tgtEl>
+                                          <p:spTgt spid="7"/>
+                                        </p:tgtEl>
+                                        <p:attrNameLst>
+                                          <p:attrName>style.visibility</p:attrName>
+                                        </p:attrNameLst>
+                                      </p:cBhvr>
+                                      <p:to>
+                                        <p:strVal val="visible"/>
+                                      </p:to>
+                                    </p:set>
+                                    <p:animEffect transition="in" filter="fade">
+                                      <p:cBhvr>
+                                        <p:cTn id="7" dur="500"/>
+                                        <p:tgtEl>
+                                          <p:spTgt spid="7"/>
+                                        </p:tgtEl>
+                                      </p:cBhvr>
+                                    </p:animEffect>
+                                  </p:childTnLst>
+                                </p:cTn>
+                              </p:par>
+                            </p:childTnLst>
+                          </p:cTn>
+                        </p:par>
+                      </p:childTnLst>
+                    </p:cTn>
+                  </p:par>
+                </p:childTnLst>
+              </p:cTn>
+              <p:prevCondLst>
+                <p:cond evt="onPrev" delay="0">
+                  <p:tgtEl>
+                    <p:sldTgt/>
+                  </p:tgtEl>
+                </p:cond>
+              </p:prevCondLst>
+              <p:nextCondLst>
+                <p:cond evt="onNext" delay="0">
+                  <p:tgtEl>
+                    <p:sldTgt/>
+                  </p:tgtEl>
+                </p:cond>
+              </p:nextCondLst>
+            </p:seq>
+          </p:childTnLst>
+        </p:cTn>
+      </p:par>
+    </p:tnLst>
+    <p:bldLst>
+      <p:bldP spid="7" grpId="0"/>
+    </p:bldLst>
+  </p:timing>
 </p:sld>
 </file>
 
@@ -14439,10 +14562,14 @@
   </p:clrMapOvr>
   <mc:AlternateContent xmlns:mc="http://schemas.openxmlformats.org/markup-compatibility/2006">
     <mc:Choice xmlns:p14="http://schemas.microsoft.com/office/powerpoint/2010/main" Requires="p14">
-      <p:transition spd="slow" p14:dur="2000" advTm="10000"/>
+      <p:transition spd="med" p14:dur="700" advTm="10000">
+        <p:fade/>
+      </p:transition>
     </mc:Choice>
     <mc:Fallback>
-      <p:transition spd="slow" advTm="10000"/>
+      <p:transition spd="med" advTm="10000">
+        <p:fade/>
+      </p:transition>
     </mc:Fallback>
   </mc:AlternateContent>
 </p:sld>
